--- a/Employee Transfer Management.pptx
+++ b/Employee Transfer Management.pptx
@@ -8,11 +8,14 @@
     <p:sldId id="256" r:id="rId2"/>
     <p:sldId id="257" r:id="rId3"/>
     <p:sldId id="261" r:id="rId4"/>
-    <p:sldId id="259" r:id="rId5"/>
-    <p:sldId id="264" r:id="rId6"/>
-    <p:sldId id="260" r:id="rId7"/>
-    <p:sldId id="262" r:id="rId8"/>
-    <p:sldId id="263" r:id="rId9"/>
+    <p:sldId id="265" r:id="rId5"/>
+    <p:sldId id="259" r:id="rId6"/>
+    <p:sldId id="266" r:id="rId7"/>
+    <p:sldId id="267" r:id="rId8"/>
+    <p:sldId id="264" r:id="rId9"/>
+    <p:sldId id="268" r:id="rId10"/>
+    <p:sldId id="262" r:id="rId11"/>
+    <p:sldId id="263" r:id="rId12"/>
   </p:sldIdLst>
   <p:sldSz cx="9144000" cy="6858000" type="screen4x3"/>
   <p:notesSz cx="6858000" cy="9144000"/>
@@ -248,7 +251,7 @@
           <a:p>
             <a:fld id="{29A9FB4F-D5C8-42E4-B48C-FDACBAA01344}" type="datetimeFigureOut">
               <a:rPr lang="en-US" smtClean="0"/>
-              <a:t>10/15/2013</a:t>
+              <a:t>10/17/2013</a:t>
             </a:fld>
             <a:endParaRPr lang="en-US"/>
           </a:p>
@@ -561,7 +564,7 @@
           <a:p>
             <a:fld id="{29A9FB4F-D5C8-42E4-B48C-FDACBAA01344}" type="datetimeFigureOut">
               <a:rPr lang="en-US" smtClean="0"/>
-              <a:t>10/15/2013</a:t>
+              <a:t>10/17/2013</a:t>
             </a:fld>
             <a:endParaRPr lang="en-US"/>
           </a:p>
@@ -746,7 +749,7 @@
           <a:p>
             <a:fld id="{29A9FB4F-D5C8-42E4-B48C-FDACBAA01344}" type="datetimeFigureOut">
               <a:rPr lang="en-US" smtClean="0"/>
-              <a:t>10/15/2013</a:t>
+              <a:t>10/17/2013</a:t>
             </a:fld>
             <a:endParaRPr lang="en-US"/>
           </a:p>
@@ -921,7 +924,7 @@
           <a:p>
             <a:fld id="{29A9FB4F-D5C8-42E4-B48C-FDACBAA01344}" type="datetimeFigureOut">
               <a:rPr lang="en-US" smtClean="0"/>
-              <a:t>10/15/2013</a:t>
+              <a:t>10/17/2013</a:t>
             </a:fld>
             <a:endParaRPr lang="en-US"/>
           </a:p>
@@ -1189,7 +1192,7 @@
           <a:p>
             <a:fld id="{29A9FB4F-D5C8-42E4-B48C-FDACBAA01344}" type="datetimeFigureOut">
               <a:rPr lang="en-US" smtClean="0"/>
-              <a:t>10/15/2013</a:t>
+              <a:t>10/17/2013</a:t>
             </a:fld>
             <a:endParaRPr lang="en-US"/>
           </a:p>
@@ -1657,7 +1660,7 @@
           <a:p>
             <a:fld id="{29A9FB4F-D5C8-42E4-B48C-FDACBAA01344}" type="datetimeFigureOut">
               <a:rPr lang="en-US" smtClean="0"/>
-              <a:t>10/15/2013</a:t>
+              <a:t>10/17/2013</a:t>
             </a:fld>
             <a:endParaRPr lang="en-US"/>
           </a:p>
@@ -2146,7 +2149,7 @@
           <a:p>
             <a:fld id="{29A9FB4F-D5C8-42E4-B48C-FDACBAA01344}" type="datetimeFigureOut">
               <a:rPr lang="en-US" smtClean="0"/>
-              <a:t>10/15/2013</a:t>
+              <a:t>10/17/2013</a:t>
             </a:fld>
             <a:endParaRPr lang="en-US"/>
           </a:p>
@@ -2272,7 +2275,7 @@
           <a:p>
             <a:fld id="{29A9FB4F-D5C8-42E4-B48C-FDACBAA01344}" type="datetimeFigureOut">
               <a:rPr lang="en-US" smtClean="0"/>
-              <a:t>10/15/2013</a:t>
+              <a:t>10/17/2013</a:t>
             </a:fld>
             <a:endParaRPr lang="en-US"/>
           </a:p>
@@ -2416,7 +2419,7 @@
           <a:p>
             <a:fld id="{29A9FB4F-D5C8-42E4-B48C-FDACBAA01344}" type="datetimeFigureOut">
               <a:rPr lang="en-US" smtClean="0"/>
-              <a:t>10/15/2013</a:t>
+              <a:t>10/17/2013</a:t>
             </a:fld>
             <a:endParaRPr lang="en-US"/>
           </a:p>
@@ -2738,7 +2741,7 @@
           <a:p>
             <a:fld id="{29A9FB4F-D5C8-42E4-B48C-FDACBAA01344}" type="datetimeFigureOut">
               <a:rPr lang="en-US" smtClean="0"/>
-              <a:t>10/15/2013</a:t>
+              <a:t>10/17/2013</a:t>
             </a:fld>
             <a:endParaRPr lang="en-US"/>
           </a:p>
@@ -2872,7 +2875,7 @@
           <a:p>
             <a:fld id="{29A9FB4F-D5C8-42E4-B48C-FDACBAA01344}" type="datetimeFigureOut">
               <a:rPr lang="en-US" smtClean="0"/>
-              <a:t>10/15/2013</a:t>
+              <a:t>10/17/2013</a:t>
             </a:fld>
             <a:endParaRPr lang="en-US"/>
           </a:p>
@@ -3653,7 +3656,7 @@
           <a:p>
             <a:fld id="{29A9FB4F-D5C8-42E4-B48C-FDACBAA01344}" type="datetimeFigureOut">
               <a:rPr lang="en-US" smtClean="0"/>
-              <a:t>10/15/2013</a:t>
+              <a:t>10/17/2013</a:t>
             </a:fld>
             <a:endParaRPr lang="en-US"/>
           </a:p>
@@ -4202,7 +4205,61 @@
               <a:rPr lang="en-US" b="1" dirty="0" smtClean="0">
                 <a:cs typeface="Arial" pitchFamily="34" charset="0"/>
               </a:rPr>
-              <a:t>Group Member</a:t>
+              <a:t>Group Member:</a:t>
+            </a:r>
+          </a:p>
+          <a:p>
+            <a:pPr lvl="1" algn="l"/>
+            <a:r>
+              <a:rPr lang="en-US" sz="2600" dirty="0" smtClean="0">
+                <a:cs typeface="Arial" pitchFamily="34" charset="0"/>
+              </a:rPr>
+              <a:t>Duong Hoang Minh (Leader)</a:t>
+            </a:r>
+          </a:p>
+          <a:p>
+            <a:pPr lvl="1" algn="l"/>
+            <a:r>
+              <a:rPr lang="en-US" sz="2600" dirty="0" err="1" smtClean="0">
+                <a:cs typeface="Arial" pitchFamily="34" charset="0"/>
+              </a:rPr>
+              <a:t>Luu</a:t>
+            </a:r>
+            <a:r>
+              <a:rPr lang="en-US" sz="2600" dirty="0" smtClean="0">
+                <a:cs typeface="Arial" pitchFamily="34" charset="0"/>
+              </a:rPr>
+              <a:t> Nguyen Van</a:t>
+            </a:r>
+          </a:p>
+          <a:p>
+            <a:pPr lvl="1" algn="l"/>
+            <a:r>
+              <a:rPr lang="en-US" sz="2600" dirty="0" smtClean="0">
+                <a:cs typeface="Arial" pitchFamily="34" charset="0"/>
+              </a:rPr>
+              <a:t>Hoang Vu</a:t>
+            </a:r>
+          </a:p>
+          <a:p>
+            <a:pPr lvl="1" algn="l"/>
+            <a:r>
+              <a:rPr lang="en-US" sz="2600" dirty="0" err="1" smtClean="0">
+                <a:cs typeface="Arial" pitchFamily="34" charset="0"/>
+              </a:rPr>
+              <a:t>Huy</a:t>
+            </a:r>
+            <a:r>
+              <a:rPr lang="en-US" sz="2600" dirty="0" smtClean="0">
+                <a:cs typeface="Arial" pitchFamily="34" charset="0"/>
+              </a:rPr>
+              <a:t> Nguyen Van</a:t>
+            </a:r>
+          </a:p>
+          <a:p>
+            <a:r>
+              <a:rPr lang="en-US" b="1" dirty="0" smtClean="0"/>
+              <a:t>Instructor</a:t>
             </a:r>
             <a:r>
               <a:rPr lang="en-US" b="1" dirty="0" smtClean="0">
@@ -4210,69 +4267,6 @@
               </a:rPr>
               <a:t>:</a:t>
             </a:r>
-            <a:endParaRPr lang="en-US" b="1" dirty="0" smtClean="0">
-              <a:cs typeface="Arial" pitchFamily="34" charset="0"/>
-            </a:endParaRPr>
-          </a:p>
-          <a:p>
-            <a:pPr lvl="1" algn="l"/>
-            <a:r>
-              <a:rPr lang="en-US" sz="2600" dirty="0" smtClean="0">
-                <a:cs typeface="Arial" pitchFamily="34" charset="0"/>
-              </a:rPr>
-              <a:t>Duong Hoang Minh (Leader)</a:t>
-            </a:r>
-          </a:p>
-          <a:p>
-            <a:pPr lvl="1" algn="l"/>
-            <a:r>
-              <a:rPr lang="en-US" sz="2600" dirty="0" err="1" smtClean="0">
-                <a:cs typeface="Arial" pitchFamily="34" charset="0"/>
-              </a:rPr>
-              <a:t>Luu</a:t>
-            </a:r>
-            <a:r>
-              <a:rPr lang="en-US" sz="2600" dirty="0" smtClean="0">
-                <a:cs typeface="Arial" pitchFamily="34" charset="0"/>
-              </a:rPr>
-              <a:t> Nguyen Van</a:t>
-            </a:r>
-          </a:p>
-          <a:p>
-            <a:pPr lvl="1" algn="l"/>
-            <a:r>
-              <a:rPr lang="en-US" sz="2600" dirty="0" smtClean="0">
-                <a:cs typeface="Arial" pitchFamily="34" charset="0"/>
-              </a:rPr>
-              <a:t>Hoang Vu</a:t>
-            </a:r>
-          </a:p>
-          <a:p>
-            <a:pPr lvl="1" algn="l"/>
-            <a:r>
-              <a:rPr lang="en-US" sz="2600" dirty="0" err="1" smtClean="0">
-                <a:cs typeface="Arial" pitchFamily="34" charset="0"/>
-              </a:rPr>
-              <a:t>Huy</a:t>
-            </a:r>
-            <a:r>
-              <a:rPr lang="en-US" sz="2600" dirty="0" smtClean="0">
-                <a:cs typeface="Arial" pitchFamily="34" charset="0"/>
-              </a:rPr>
-              <a:t> Nguyen Van</a:t>
-            </a:r>
-          </a:p>
-          <a:p>
-            <a:r>
-              <a:rPr lang="en-US" b="1" dirty="0" smtClean="0"/>
-              <a:t>Instructor</a:t>
-            </a:r>
-            <a:r>
-              <a:rPr lang="en-US" b="1" dirty="0" smtClean="0">
-                <a:cs typeface="Arial" pitchFamily="34" charset="0"/>
-              </a:rPr>
-              <a:t>:</a:t>
-            </a:r>
           </a:p>
           <a:p>
             <a:pPr lvl="1" algn="l"/>
@@ -4294,9 +4288,6 @@
               </a:rPr>
               <a:t> Nguyen Hung</a:t>
             </a:r>
-            <a:endParaRPr lang="en-US" sz="2600" dirty="0" smtClean="0">
-              <a:cs typeface="Arial" pitchFamily="34" charset="0"/>
-            </a:endParaRPr>
           </a:p>
           <a:p>
             <a:endParaRPr lang="en-US" dirty="0">
@@ -4330,7 +4321,15 @@
           <a:p>
             <a:r>
               <a:rPr lang="en-US" dirty="0" smtClean="0"/>
-              <a:t>Group 4 – C1212L</a:t>
+              <a:t>Group </a:t>
+            </a:r>
+            <a:r>
+              <a:rPr lang="en-US" dirty="0" smtClean="0"/>
+              <a:t>1 </a:t>
+            </a:r>
+            <a:r>
+              <a:rPr lang="en-US" dirty="0" smtClean="0"/>
+              <a:t>– C1212L</a:t>
             </a:r>
           </a:p>
         </p:txBody>
@@ -4380,6 +4379,325 @@
     <p:extLst>
       <p:ext uri="{BB962C8B-B14F-4D97-AF65-F5344CB8AC3E}">
         <p14:creationId xmlns:p14="http://schemas.microsoft.com/office/powerpoint/2010/main" val="251680898"/>
+      </p:ext>
+    </p:extLst>
+  </p:cSld>
+  <p:clrMapOvr>
+    <a:masterClrMapping/>
+  </p:clrMapOvr>
+  <p:timing>
+    <p:tnLst>
+      <p:par>
+        <p:cTn id="1" dur="indefinite" restart="never" nodeType="tmRoot"/>
+      </p:par>
+    </p:tnLst>
+  </p:timing>
+</p:sld>
+</file>
+
+<file path=ppt/slides/slide10.xml><?xml version="1.0" encoding="utf-8"?>
+<p:sld xmlns:a="http://schemas.openxmlformats.org/drawingml/2006/main" xmlns:r="http://schemas.openxmlformats.org/officeDocument/2006/relationships" xmlns:p="http://schemas.openxmlformats.org/presentationml/2006/main">
+  <p:cSld>
+    <p:spTree>
+      <p:nvGrpSpPr>
+        <p:cNvPr id="1" name=""/>
+        <p:cNvGrpSpPr/>
+        <p:nvPr/>
+      </p:nvGrpSpPr>
+      <p:grpSpPr>
+        <a:xfrm>
+          <a:off x="0" y="0"/>
+          <a:ext cx="0" cy="0"/>
+          <a:chOff x="0" y="0"/>
+          <a:chExt cx="0" cy="0"/>
+        </a:xfrm>
+      </p:grpSpPr>
+      <p:sp>
+        <p:nvSpPr>
+          <p:cNvPr id="4" name="Title 3"/>
+          <p:cNvSpPr>
+            <a:spLocks noGrp="1"/>
+          </p:cNvSpPr>
+          <p:nvPr>
+            <p:ph type="title"/>
+          </p:nvPr>
+        </p:nvSpPr>
+        <p:spPr>
+          <a:xfrm>
+            <a:off x="990600" y="2514600"/>
+            <a:ext cx="7498080" cy="1143000"/>
+          </a:xfrm>
+        </p:spPr>
+        <p:txBody>
+          <a:bodyPr/>
+          <a:lstStyle/>
+          <a:p>
+            <a:pPr algn="ctr"/>
+            <a:r>
+              <a:rPr lang="en-US" dirty="0" smtClean="0"/>
+              <a:t>Demo</a:t>
+            </a:r>
+            <a:endParaRPr lang="en-US" dirty="0"/>
+          </a:p>
+        </p:txBody>
+      </p:sp>
+      <p:pic>
+        <p:nvPicPr>
+          <p:cNvPr id="3" name="Picture 3" descr="C:\Users\DUONGHM\Downloads\1342747704_logo_1308277876-logo-LOGOBACHKHOAAPTECHchuan.png"/>
+          <p:cNvPicPr>
+            <a:picLocks noChangeAspect="1" noChangeArrowheads="1"/>
+          </p:cNvPicPr>
+          <p:nvPr/>
+        </p:nvPicPr>
+        <p:blipFill>
+          <a:blip r:embed="rId2" cstate="print">
+            <a:extLst>
+              <a:ext uri="{28A0092B-C50C-407E-A947-70E740481C1C}">
+                <a14:useLocalDpi xmlns:a14="http://schemas.microsoft.com/office/drawing/2010/main" val="0"/>
+              </a:ext>
+            </a:extLst>
+          </a:blip>
+          <a:srcRect/>
+          <a:stretch>
+            <a:fillRect/>
+          </a:stretch>
+        </p:blipFill>
+        <p:spPr bwMode="auto">
+          <a:xfrm>
+            <a:off x="6934200" y="54348"/>
+            <a:ext cx="2133598" cy="500823"/>
+          </a:xfrm>
+          <a:prstGeom prst="rect">
+            <a:avLst/>
+          </a:prstGeom>
+          <a:noFill/>
+          <a:extLst>
+            <a:ext uri="{909E8E84-426E-40DD-AFC4-6F175D3DCCD1}">
+              <a14:hiddenFill xmlns:a14="http://schemas.microsoft.com/office/drawing/2010/main">
+                <a:solidFill>
+                  <a:srgbClr val="FFFFFF"/>
+                </a:solidFill>
+              </a14:hiddenFill>
+            </a:ext>
+          </a:extLst>
+        </p:spPr>
+      </p:pic>
+    </p:spTree>
+    <p:extLst>
+      <p:ext uri="{BB962C8B-B14F-4D97-AF65-F5344CB8AC3E}">
+        <p14:creationId xmlns:p14="http://schemas.microsoft.com/office/powerpoint/2010/main" val="2222955092"/>
+      </p:ext>
+    </p:extLst>
+  </p:cSld>
+  <p:clrMapOvr>
+    <a:masterClrMapping/>
+  </p:clrMapOvr>
+  <p:timing>
+    <p:tnLst>
+      <p:par>
+        <p:cTn id="1" dur="indefinite" restart="never" nodeType="tmRoot"/>
+      </p:par>
+    </p:tnLst>
+  </p:timing>
+</p:sld>
+</file>
+
+<file path=ppt/slides/slide11.xml><?xml version="1.0" encoding="utf-8"?>
+<p:sld xmlns:a="http://schemas.openxmlformats.org/drawingml/2006/main" xmlns:r="http://schemas.openxmlformats.org/officeDocument/2006/relationships" xmlns:p="http://schemas.openxmlformats.org/presentationml/2006/main">
+  <p:cSld>
+    <p:spTree>
+      <p:nvGrpSpPr>
+        <p:cNvPr id="1" name=""/>
+        <p:cNvGrpSpPr/>
+        <p:nvPr/>
+      </p:nvGrpSpPr>
+      <p:grpSpPr>
+        <a:xfrm>
+          <a:off x="0" y="0"/>
+          <a:ext cx="0" cy="0"/>
+          <a:chOff x="0" y="0"/>
+          <a:chExt cx="0" cy="0"/>
+        </a:xfrm>
+      </p:grpSpPr>
+      <p:sp>
+        <p:nvSpPr>
+          <p:cNvPr id="2" name="Title 1"/>
+          <p:cNvSpPr>
+            <a:spLocks noGrp="1"/>
+          </p:cNvSpPr>
+          <p:nvPr>
+            <p:ph type="title"/>
+          </p:nvPr>
+        </p:nvSpPr>
+        <p:spPr/>
+        <p:txBody>
+          <a:bodyPr/>
+          <a:lstStyle/>
+          <a:p>
+            <a:r>
+              <a:rPr lang="en-US" dirty="0" smtClean="0">
+                <a:effectLst/>
+              </a:rPr>
+              <a:t>Acknowledgement</a:t>
+            </a:r>
+            <a:endParaRPr lang="en-US" dirty="0"/>
+          </a:p>
+        </p:txBody>
+      </p:sp>
+      <p:sp>
+        <p:nvSpPr>
+          <p:cNvPr id="5" name="Content Placeholder 4"/>
+          <p:cNvSpPr>
+            <a:spLocks noGrp="1"/>
+          </p:cNvSpPr>
+          <p:nvPr>
+            <p:ph idx="1"/>
+          </p:nvPr>
+        </p:nvSpPr>
+        <p:spPr/>
+        <p:txBody>
+          <a:bodyPr>
+            <a:normAutofit fontScale="92500" lnSpcReduction="10000"/>
+          </a:bodyPr>
+          <a:lstStyle/>
+          <a:p>
+            <a:pPr algn="just"/>
+            <a:r>
+              <a:rPr lang="en-US" i="1" dirty="0"/>
+              <a:t>We are much thankful to the entire staff and chairmen at the Head Office of </a:t>
+            </a:r>
+            <a:r>
+              <a:rPr lang="en-US" i="1" dirty="0" err="1"/>
+              <a:t>Aptech</a:t>
+            </a:r>
+            <a:r>
+              <a:rPr lang="en-US" i="1" dirty="0"/>
+              <a:t> Worldwide, </a:t>
+            </a:r>
+            <a:r>
+              <a:rPr lang="en-US" i="1" dirty="0" err="1" smtClean="0"/>
+              <a:t>Aptech</a:t>
+            </a:r>
+            <a:r>
+              <a:rPr lang="en-US" dirty="0" smtClean="0"/>
+              <a:t> </a:t>
+            </a:r>
+            <a:r>
+              <a:rPr lang="en-US" i="1" dirty="0"/>
+              <a:t>– Vietnam, and </a:t>
+            </a:r>
+            <a:r>
+              <a:rPr lang="en-US" i="1" dirty="0" err="1"/>
+              <a:t>Bachkhoa</a:t>
+            </a:r>
+            <a:r>
+              <a:rPr lang="en-US" i="1" dirty="0"/>
+              <a:t> – </a:t>
+            </a:r>
+            <a:r>
+              <a:rPr lang="en-US" i="1" dirty="0" err="1"/>
+              <a:t>Aptech</a:t>
+            </a:r>
+            <a:r>
+              <a:rPr lang="en-US" i="1" dirty="0"/>
+              <a:t> center who have been organizing and looking after our studying course</a:t>
+            </a:r>
+            <a:r>
+              <a:rPr lang="en-US" i="1" dirty="0" smtClean="0"/>
+              <a:t>.</a:t>
+            </a:r>
+          </a:p>
+          <a:p>
+            <a:pPr algn="just"/>
+            <a:r>
+              <a:rPr lang="en-US" i="1" dirty="0"/>
+              <a:t>Our special thanks to Mr. </a:t>
+            </a:r>
+            <a:r>
+              <a:rPr lang="en-US" i="1" dirty="0" err="1"/>
+              <a:t>Nguyễn</a:t>
+            </a:r>
+            <a:r>
+              <a:rPr lang="en-US" i="1" dirty="0"/>
+              <a:t> </a:t>
+            </a:r>
+            <a:r>
+              <a:rPr lang="en-US" i="1" dirty="0" err="1"/>
+              <a:t>Hùng</a:t>
+            </a:r>
+            <a:r>
+              <a:rPr lang="en-US" i="1" dirty="0"/>
+              <a:t> </a:t>
+            </a:r>
+            <a:r>
+              <a:rPr lang="en-US" i="1" dirty="0" err="1"/>
+              <a:t>Cường</a:t>
+            </a:r>
+            <a:r>
+              <a:rPr lang="en-US" i="1" dirty="0"/>
+              <a:t> who works day by day to teach and guide us in our travel to discover the wonder of Java Programming Language. Also to mentor in </a:t>
+            </a:r>
+            <a:r>
+              <a:rPr lang="en-US" i="1" dirty="0" err="1"/>
+              <a:t>eProject</a:t>
+            </a:r>
+            <a:r>
+              <a:rPr lang="en-US" i="1" dirty="0"/>
+              <a:t> Team at the Head Office who instruct and help us.</a:t>
+            </a:r>
+            <a:endParaRPr lang="en-US" dirty="0"/>
+          </a:p>
+          <a:p>
+            <a:pPr algn="just"/>
+            <a:endParaRPr lang="en-US" dirty="0"/>
+          </a:p>
+        </p:txBody>
+      </p:sp>
+      <p:pic>
+        <p:nvPicPr>
+          <p:cNvPr id="3" name="Picture 3" descr="C:\Users\DUONGHM\Downloads\1342747704_logo_1308277876-logo-LOGOBACHKHOAAPTECHchuan.png"/>
+          <p:cNvPicPr>
+            <a:picLocks noChangeAspect="1" noChangeArrowheads="1"/>
+          </p:cNvPicPr>
+          <p:nvPr/>
+        </p:nvPicPr>
+        <p:blipFill>
+          <a:blip r:embed="rId2" cstate="print">
+            <a:extLst>
+              <a:ext uri="{28A0092B-C50C-407E-A947-70E740481C1C}">
+                <a14:useLocalDpi xmlns:a14="http://schemas.microsoft.com/office/drawing/2010/main" val="0"/>
+              </a:ext>
+            </a:extLst>
+          </a:blip>
+          <a:srcRect/>
+          <a:stretch>
+            <a:fillRect/>
+          </a:stretch>
+        </p:blipFill>
+        <p:spPr bwMode="auto">
+          <a:xfrm>
+            <a:off x="6934200" y="54348"/>
+            <a:ext cx="2133598" cy="500823"/>
+          </a:xfrm>
+          <a:prstGeom prst="rect">
+            <a:avLst/>
+          </a:prstGeom>
+          <a:noFill/>
+          <a:extLst>
+            <a:ext uri="{909E8E84-426E-40DD-AFC4-6F175D3DCCD1}">
+              <a14:hiddenFill xmlns:a14="http://schemas.microsoft.com/office/drawing/2010/main">
+                <a:solidFill>
+                  <a:srgbClr val="FFFFFF"/>
+                </a:solidFill>
+              </a14:hiddenFill>
+            </a:ext>
+          </a:extLst>
+        </p:spPr>
+      </p:pic>
+    </p:spTree>
+    <p:extLst>
+      <p:ext uri="{BB962C8B-B14F-4D97-AF65-F5344CB8AC3E}">
+        <p14:creationId xmlns:p14="http://schemas.microsoft.com/office/powerpoint/2010/main" val="2452972038"/>
       </p:ext>
     </p:extLst>
   </p:cSld>
@@ -4760,7 +5078,7 @@
           <a:p>
             <a:r>
               <a:rPr lang="en-US" dirty="0" smtClean="0"/>
-              <a:t>Technology</a:t>
+              <a:t>Goals of the System</a:t>
             </a:r>
             <a:endParaRPr lang="en-US" dirty="0"/>
           </a:p>
@@ -4774,6 +5092,171 @@
           </p:cNvSpPr>
           <p:nvPr>
             <p:ph idx="1"/>
+          </p:nvPr>
+        </p:nvSpPr>
+        <p:spPr/>
+        <p:txBody>
+          <a:bodyPr>
+            <a:normAutofit lnSpcReduction="10000"/>
+          </a:bodyPr>
+          <a:lstStyle/>
+          <a:p>
+            <a:r>
+              <a:rPr lang="en-US" dirty="0" smtClean="0"/>
+              <a:t>System Administrator</a:t>
+            </a:r>
+          </a:p>
+          <a:p>
+            <a:pPr lvl="1"/>
+            <a:r>
+              <a:rPr lang="en-US" dirty="0" smtClean="0"/>
+              <a:t>Manage Transfers</a:t>
+            </a:r>
+          </a:p>
+          <a:p>
+            <a:pPr lvl="1"/>
+            <a:r>
+              <a:rPr lang="en-US" dirty="0" smtClean="0"/>
+              <a:t>Manage Employees</a:t>
+            </a:r>
+          </a:p>
+          <a:p>
+            <a:pPr lvl="1"/>
+            <a:r>
+              <a:rPr lang="en-US" dirty="0" smtClean="0"/>
+              <a:t>Manage Projects</a:t>
+            </a:r>
+          </a:p>
+          <a:p>
+            <a:pPr lvl="1"/>
+            <a:r>
+              <a:rPr lang="en-US" dirty="0" smtClean="0"/>
+              <a:t>Manage Departments and Locations</a:t>
+            </a:r>
+          </a:p>
+          <a:p>
+            <a:pPr lvl="1"/>
+            <a:r>
+              <a:rPr lang="en-US" dirty="0" smtClean="0"/>
+              <a:t>Manage Admin Account</a:t>
+            </a:r>
+          </a:p>
+          <a:p>
+            <a:r>
+              <a:rPr lang="en-US" dirty="0" smtClean="0"/>
+              <a:t>Employee</a:t>
+            </a:r>
+          </a:p>
+          <a:p>
+            <a:pPr lvl="1"/>
+            <a:r>
+              <a:rPr lang="en-US" dirty="0" smtClean="0"/>
+              <a:t>View Basic Information</a:t>
+            </a:r>
+          </a:p>
+          <a:p>
+            <a:pPr lvl="1"/>
+            <a:r>
+              <a:rPr lang="en-US" dirty="0" smtClean="0"/>
+              <a:t>Generate Transfer Requests</a:t>
+            </a:r>
+          </a:p>
+          <a:p>
+            <a:pPr lvl="1"/>
+            <a:r>
+              <a:rPr lang="en-US" dirty="0" smtClean="0"/>
+              <a:t>View Transfer History</a:t>
+            </a:r>
+            <a:endParaRPr lang="en-US" dirty="0"/>
+          </a:p>
+        </p:txBody>
+      </p:sp>
+      <p:pic>
+        <p:nvPicPr>
+          <p:cNvPr id="4" name="Picture 3" descr="C:\Users\DUONGHM\Downloads\1342747704_logo_1308277876-logo-LOGOBACHKHOAAPTECHchuan.png"/>
+          <p:cNvPicPr>
+            <a:picLocks noChangeAspect="1" noChangeArrowheads="1"/>
+          </p:cNvPicPr>
+          <p:nvPr/>
+        </p:nvPicPr>
+        <p:blipFill>
+          <a:blip r:embed="rId2" cstate="print">
+            <a:extLst>
+              <a:ext uri="{28A0092B-C50C-407E-A947-70E740481C1C}">
+                <a14:useLocalDpi xmlns:a14="http://schemas.microsoft.com/office/drawing/2010/main" val="0"/>
+              </a:ext>
+            </a:extLst>
+          </a:blip>
+          <a:srcRect/>
+          <a:stretch>
+            <a:fillRect/>
+          </a:stretch>
+        </p:blipFill>
+        <p:spPr bwMode="auto">
+          <a:xfrm>
+            <a:off x="6934200" y="54348"/>
+            <a:ext cx="2133598" cy="500823"/>
+          </a:xfrm>
+          <a:prstGeom prst="rect">
+            <a:avLst/>
+          </a:prstGeom>
+          <a:noFill/>
+          <a:extLst>
+            <a:ext uri="{909E8E84-426E-40DD-AFC4-6F175D3DCCD1}">
+              <a14:hiddenFill xmlns:a14="http://schemas.microsoft.com/office/drawing/2010/main">
+                <a:solidFill>
+                  <a:srgbClr val="FFFFFF"/>
+                </a:solidFill>
+              </a14:hiddenFill>
+            </a:ext>
+          </a:extLst>
+        </p:spPr>
+      </p:pic>
+    </p:spTree>
+    <p:extLst>
+      <p:ext uri="{BB962C8B-B14F-4D97-AF65-F5344CB8AC3E}">
+        <p14:creationId xmlns:p14="http://schemas.microsoft.com/office/powerpoint/2010/main" val="2530140930"/>
+      </p:ext>
+    </p:extLst>
+  </p:cSld>
+  <p:clrMapOvr>
+    <a:masterClrMapping/>
+  </p:clrMapOvr>
+  <p:timing>
+    <p:tnLst>
+      <p:par>
+        <p:cTn id="1" dur="indefinite" restart="never" nodeType="tmRoot"/>
+      </p:par>
+    </p:tnLst>
+  </p:timing>
+</p:sld>
+</file>
+
+<file path=ppt/slides/slide5.xml><?xml version="1.0" encoding="utf-8"?>
+<p:sld xmlns:a="http://schemas.openxmlformats.org/drawingml/2006/main" xmlns:r="http://schemas.openxmlformats.org/officeDocument/2006/relationships" xmlns:p="http://schemas.openxmlformats.org/presentationml/2006/main">
+  <p:cSld>
+    <p:spTree>
+      <p:nvGrpSpPr>
+        <p:cNvPr id="1" name=""/>
+        <p:cNvGrpSpPr/>
+        <p:nvPr/>
+      </p:nvGrpSpPr>
+      <p:grpSpPr>
+        <a:xfrm>
+          <a:off x="0" y="0"/>
+          <a:ext cx="0" cy="0"/>
+          <a:chOff x="0" y="0"/>
+          <a:chExt cx="0" cy="0"/>
+        </a:xfrm>
+      </p:grpSpPr>
+      <p:sp>
+        <p:nvSpPr>
+          <p:cNvPr id="2" name="Title 1"/>
+          <p:cNvSpPr>
+            <a:spLocks noGrp="1"/>
+          </p:cNvSpPr>
+          <p:nvPr>
+            <p:ph type="title"/>
           </p:nvPr>
         </p:nvSpPr>
         <p:spPr/>
@@ -4781,7 +5264,30 @@
           <a:bodyPr/>
           <a:lstStyle/>
           <a:p>
-            <a:endParaRPr lang="en-US"/>
+            <a:r>
+              <a:rPr lang="en-US" dirty="0" smtClean="0"/>
+              <a:t>Technology</a:t>
+            </a:r>
+            <a:endParaRPr lang="en-US" dirty="0"/>
+          </a:p>
+        </p:txBody>
+      </p:sp>
+      <p:sp>
+        <p:nvSpPr>
+          <p:cNvPr id="3" name="Content Placeholder 2"/>
+          <p:cNvSpPr>
+            <a:spLocks noGrp="1"/>
+          </p:cNvSpPr>
+          <p:nvPr>
+            <p:ph idx="1"/>
+          </p:nvPr>
+        </p:nvSpPr>
+        <p:spPr/>
+        <p:txBody>
+          <a:bodyPr/>
+          <a:lstStyle/>
+          <a:p>
+            <a:endParaRPr lang="en-US" dirty="0"/>
           </a:p>
         </p:txBody>
       </p:sp>
@@ -4928,7 +5434,329 @@
 </p:sld>
 </file>
 
-<file path=ppt/slides/slide5.xml><?xml version="1.0" encoding="utf-8"?>
+<file path=ppt/slides/slide6.xml><?xml version="1.0" encoding="utf-8"?>
+<p:sld xmlns:a="http://schemas.openxmlformats.org/drawingml/2006/main" xmlns:r="http://schemas.openxmlformats.org/officeDocument/2006/relationships" xmlns:p="http://schemas.openxmlformats.org/presentationml/2006/main">
+  <p:cSld>
+    <p:spTree>
+      <p:nvGrpSpPr>
+        <p:cNvPr id="1" name=""/>
+        <p:cNvGrpSpPr/>
+        <p:nvPr/>
+      </p:nvGrpSpPr>
+      <p:grpSpPr>
+        <a:xfrm>
+          <a:off x="0" y="0"/>
+          <a:ext cx="0" cy="0"/>
+          <a:chOff x="0" y="0"/>
+          <a:chExt cx="0" cy="0"/>
+        </a:xfrm>
+      </p:grpSpPr>
+      <p:sp>
+        <p:nvSpPr>
+          <p:cNvPr id="2" name="Title 1"/>
+          <p:cNvSpPr>
+            <a:spLocks noGrp="1"/>
+          </p:cNvSpPr>
+          <p:nvPr>
+            <p:ph type="title"/>
+          </p:nvPr>
+        </p:nvSpPr>
+        <p:spPr/>
+        <p:txBody>
+          <a:bodyPr/>
+          <a:lstStyle/>
+          <a:p>
+            <a:r>
+              <a:rPr lang="en-US" dirty="0" smtClean="0"/>
+              <a:t>Data Flow Diagram</a:t>
+            </a:r>
+            <a:endParaRPr lang="en-US" dirty="0"/>
+          </a:p>
+        </p:txBody>
+      </p:sp>
+      <p:sp>
+        <p:nvSpPr>
+          <p:cNvPr id="3" name="Content Placeholder 2"/>
+          <p:cNvSpPr>
+            <a:spLocks noGrp="1"/>
+          </p:cNvSpPr>
+          <p:nvPr>
+            <p:ph idx="1"/>
+          </p:nvPr>
+        </p:nvSpPr>
+        <p:spPr/>
+        <p:txBody>
+          <a:bodyPr/>
+          <a:lstStyle/>
+          <a:p>
+            <a:endParaRPr lang="en-US"/>
+          </a:p>
+        </p:txBody>
+      </p:sp>
+      <p:pic>
+        <p:nvPicPr>
+          <p:cNvPr id="5" name="Picture 4" descr="C:\Users\DUONGHM\Downloads\1342747704_logo_1308277876-logo-LOGOBACHKHOAAPTECHchuan.png"/>
+          <p:cNvPicPr>
+            <a:picLocks noChangeAspect="1" noChangeArrowheads="1"/>
+          </p:cNvPicPr>
+          <p:nvPr/>
+        </p:nvPicPr>
+        <p:blipFill>
+          <a:blip r:embed="rId2" cstate="print">
+            <a:extLst>
+              <a:ext uri="{28A0092B-C50C-407E-A947-70E740481C1C}">
+                <a14:useLocalDpi xmlns:a14="http://schemas.microsoft.com/office/drawing/2010/main" val="0"/>
+              </a:ext>
+            </a:extLst>
+          </a:blip>
+          <a:srcRect/>
+          <a:stretch>
+            <a:fillRect/>
+          </a:stretch>
+        </p:blipFill>
+        <p:spPr bwMode="auto">
+          <a:xfrm>
+            <a:off x="6934200" y="54348"/>
+            <a:ext cx="2133598" cy="500823"/>
+          </a:xfrm>
+          <a:prstGeom prst="rect">
+            <a:avLst/>
+          </a:prstGeom>
+          <a:noFill/>
+          <a:extLst>
+            <a:ext uri="{909E8E84-426E-40DD-AFC4-6F175D3DCCD1}">
+              <a14:hiddenFill xmlns:a14="http://schemas.microsoft.com/office/drawing/2010/main">
+                <a:solidFill>
+                  <a:srgbClr val="FFFFFF"/>
+                </a:solidFill>
+              </a14:hiddenFill>
+            </a:ext>
+          </a:extLst>
+        </p:spPr>
+      </p:pic>
+      <p:pic>
+        <p:nvPicPr>
+          <p:cNvPr id="1027" name="Picture 3" descr="C:\Users\DUONGHM\Documents\Project Sem 2 DFD\DFD-Level1-Admin.jpg"/>
+          <p:cNvPicPr>
+            <a:picLocks noChangeAspect="1" noChangeArrowheads="1"/>
+          </p:cNvPicPr>
+          <p:nvPr/>
+        </p:nvPicPr>
+        <p:blipFill>
+          <a:blip r:embed="rId3">
+            <a:extLst>
+              <a:ext uri="{28A0092B-C50C-407E-A947-70E740481C1C}">
+                <a14:useLocalDpi xmlns:a14="http://schemas.microsoft.com/office/drawing/2010/main" val="0"/>
+              </a:ext>
+            </a:extLst>
+          </a:blip>
+          <a:srcRect/>
+          <a:stretch>
+            <a:fillRect/>
+          </a:stretch>
+        </p:blipFill>
+        <p:spPr bwMode="auto">
+          <a:xfrm>
+            <a:off x="1524000" y="1323974"/>
+            <a:ext cx="7124809" cy="5457826"/>
+          </a:xfrm>
+          <a:prstGeom prst="rect">
+            <a:avLst/>
+          </a:prstGeom>
+          <a:noFill/>
+          <a:extLst>
+            <a:ext uri="{909E8E84-426E-40DD-AFC4-6F175D3DCCD1}">
+              <a14:hiddenFill xmlns:a14="http://schemas.microsoft.com/office/drawing/2010/main">
+                <a:solidFill>
+                  <a:srgbClr val="FFFFFF"/>
+                </a:solidFill>
+              </a14:hiddenFill>
+            </a:ext>
+          </a:extLst>
+        </p:spPr>
+      </p:pic>
+    </p:spTree>
+    <p:extLst>
+      <p:ext uri="{BB962C8B-B14F-4D97-AF65-F5344CB8AC3E}">
+        <p14:creationId xmlns:p14="http://schemas.microsoft.com/office/powerpoint/2010/main" val="3369371835"/>
+      </p:ext>
+    </p:extLst>
+  </p:cSld>
+  <p:clrMapOvr>
+    <a:masterClrMapping/>
+  </p:clrMapOvr>
+  <p:timing>
+    <p:tnLst>
+      <p:par>
+        <p:cTn id="1" dur="indefinite" restart="never" nodeType="tmRoot"/>
+      </p:par>
+    </p:tnLst>
+  </p:timing>
+</p:sld>
+</file>
+
+<file path=ppt/slides/slide7.xml><?xml version="1.0" encoding="utf-8"?>
+<p:sld xmlns:a="http://schemas.openxmlformats.org/drawingml/2006/main" xmlns:r="http://schemas.openxmlformats.org/officeDocument/2006/relationships" xmlns:p="http://schemas.openxmlformats.org/presentationml/2006/main">
+  <p:cSld>
+    <p:spTree>
+      <p:nvGrpSpPr>
+        <p:cNvPr id="1" name=""/>
+        <p:cNvGrpSpPr/>
+        <p:nvPr/>
+      </p:nvGrpSpPr>
+      <p:grpSpPr>
+        <a:xfrm>
+          <a:off x="0" y="0"/>
+          <a:ext cx="0" cy="0"/>
+          <a:chOff x="0" y="0"/>
+          <a:chExt cx="0" cy="0"/>
+        </a:xfrm>
+      </p:grpSpPr>
+      <p:sp>
+        <p:nvSpPr>
+          <p:cNvPr id="2" name="Title 1"/>
+          <p:cNvSpPr>
+            <a:spLocks noGrp="1"/>
+          </p:cNvSpPr>
+          <p:nvPr>
+            <p:ph type="title"/>
+          </p:nvPr>
+        </p:nvSpPr>
+        <p:spPr/>
+        <p:txBody>
+          <a:bodyPr/>
+          <a:lstStyle/>
+          <a:p>
+            <a:r>
+              <a:rPr lang="en-US" dirty="0" smtClean="0"/>
+              <a:t>Data Flow Diagram</a:t>
+            </a:r>
+            <a:endParaRPr lang="en-US" dirty="0"/>
+          </a:p>
+        </p:txBody>
+      </p:sp>
+      <p:sp>
+        <p:nvSpPr>
+          <p:cNvPr id="3" name="Content Placeholder 2"/>
+          <p:cNvSpPr>
+            <a:spLocks noGrp="1"/>
+          </p:cNvSpPr>
+          <p:nvPr>
+            <p:ph idx="1"/>
+          </p:nvPr>
+        </p:nvSpPr>
+        <p:spPr/>
+        <p:txBody>
+          <a:bodyPr/>
+          <a:lstStyle/>
+          <a:p>
+            <a:endParaRPr lang="en-US" dirty="0"/>
+          </a:p>
+        </p:txBody>
+      </p:sp>
+      <p:pic>
+        <p:nvPicPr>
+          <p:cNvPr id="2050" name="Picture 2" descr="C:\Users\DUONGHM\Documents\Project Sem 2 DFD\DFD-Level1-Employee.jpg"/>
+          <p:cNvPicPr>
+            <a:picLocks noChangeAspect="1" noChangeArrowheads="1"/>
+          </p:cNvPicPr>
+          <p:nvPr/>
+        </p:nvPicPr>
+        <p:blipFill>
+          <a:blip r:embed="rId2">
+            <a:extLst>
+              <a:ext uri="{28A0092B-C50C-407E-A947-70E740481C1C}">
+                <a14:useLocalDpi xmlns:a14="http://schemas.microsoft.com/office/drawing/2010/main" val="0"/>
+              </a:ext>
+            </a:extLst>
+          </a:blip>
+          <a:srcRect/>
+          <a:stretch>
+            <a:fillRect/>
+          </a:stretch>
+        </p:blipFill>
+        <p:spPr bwMode="auto">
+          <a:xfrm>
+            <a:off x="1224682" y="2542335"/>
+            <a:ext cx="7766918" cy="2258265"/>
+          </a:xfrm>
+          <a:prstGeom prst="rect">
+            <a:avLst/>
+          </a:prstGeom>
+          <a:noFill/>
+          <a:extLst>
+            <a:ext uri="{909E8E84-426E-40DD-AFC4-6F175D3DCCD1}">
+              <a14:hiddenFill xmlns:a14="http://schemas.microsoft.com/office/drawing/2010/main">
+                <a:solidFill>
+                  <a:srgbClr val="FFFFFF"/>
+                </a:solidFill>
+              </a14:hiddenFill>
+            </a:ext>
+          </a:extLst>
+        </p:spPr>
+      </p:pic>
+      <p:pic>
+        <p:nvPicPr>
+          <p:cNvPr id="6" name="Picture 5" descr="C:\Users\DUONGHM\Downloads\1342747704_logo_1308277876-logo-LOGOBACHKHOAAPTECHchuan.png"/>
+          <p:cNvPicPr>
+            <a:picLocks noChangeAspect="1" noChangeArrowheads="1"/>
+          </p:cNvPicPr>
+          <p:nvPr/>
+        </p:nvPicPr>
+        <p:blipFill>
+          <a:blip r:embed="rId3" cstate="print">
+            <a:extLst>
+              <a:ext uri="{28A0092B-C50C-407E-A947-70E740481C1C}">
+                <a14:useLocalDpi xmlns:a14="http://schemas.microsoft.com/office/drawing/2010/main" val="0"/>
+              </a:ext>
+            </a:extLst>
+          </a:blip>
+          <a:srcRect/>
+          <a:stretch>
+            <a:fillRect/>
+          </a:stretch>
+        </p:blipFill>
+        <p:spPr bwMode="auto">
+          <a:xfrm>
+            <a:off x="6934200" y="54348"/>
+            <a:ext cx="2133598" cy="500823"/>
+          </a:xfrm>
+          <a:prstGeom prst="rect">
+            <a:avLst/>
+          </a:prstGeom>
+          <a:noFill/>
+          <a:extLst>
+            <a:ext uri="{909E8E84-426E-40DD-AFC4-6F175D3DCCD1}">
+              <a14:hiddenFill xmlns:a14="http://schemas.microsoft.com/office/drawing/2010/main">
+                <a:solidFill>
+                  <a:srgbClr val="FFFFFF"/>
+                </a:solidFill>
+              </a14:hiddenFill>
+            </a:ext>
+          </a:extLst>
+        </p:spPr>
+      </p:pic>
+    </p:spTree>
+    <p:extLst>
+      <p:ext uri="{BB962C8B-B14F-4D97-AF65-F5344CB8AC3E}">
+        <p14:creationId xmlns:p14="http://schemas.microsoft.com/office/powerpoint/2010/main" val="1434354444"/>
+      </p:ext>
+    </p:extLst>
+  </p:cSld>
+  <p:clrMapOvr>
+    <a:masterClrMapping/>
+  </p:clrMapOvr>
+  <p:timing>
+    <p:tnLst>
+      <p:par>
+        <p:cTn id="1" dur="indefinite" restart="never" nodeType="tmRoot"/>
+      </p:par>
+    </p:tnLst>
+  </p:timing>
+</p:sld>
+</file>
+
+<file path=ppt/slides/slide8.xml><?xml version="1.0" encoding="utf-8"?>
 <p:sld xmlns:a="http://schemas.openxmlformats.org/drawingml/2006/main" xmlns:r="http://schemas.openxmlformats.org/officeDocument/2006/relationships" xmlns:p="http://schemas.openxmlformats.org/presentationml/2006/main">
   <p:cSld>
     <p:spTree>
@@ -5051,95 +5879,16 @@
           </a:extLst>
         </p:spPr>
       </p:pic>
-    </p:spTree>
-    <p:extLst>
-      <p:ext uri="{BB962C8B-B14F-4D97-AF65-F5344CB8AC3E}">
-        <p14:creationId xmlns:p14="http://schemas.microsoft.com/office/powerpoint/2010/main" val="579799746"/>
-      </p:ext>
-    </p:extLst>
-  </p:cSld>
-  <p:clrMapOvr>
-    <a:masterClrMapping/>
-  </p:clrMapOvr>
-  <p:timing>
-    <p:tnLst>
-      <p:par>
-        <p:cTn id="1" dur="indefinite" restart="never" nodeType="tmRoot"/>
-      </p:par>
-    </p:tnLst>
-  </p:timing>
-</p:sld>
-</file>
-
-<file path=ppt/slides/slide6.xml><?xml version="1.0" encoding="utf-8"?>
-<p:sld xmlns:a="http://schemas.openxmlformats.org/drawingml/2006/main" xmlns:r="http://schemas.openxmlformats.org/officeDocument/2006/relationships" xmlns:p="http://schemas.openxmlformats.org/presentationml/2006/main">
-  <p:cSld>
-    <p:spTree>
-      <p:nvGrpSpPr>
-        <p:cNvPr id="1" name=""/>
-        <p:cNvGrpSpPr/>
-        <p:nvPr/>
-      </p:nvGrpSpPr>
-      <p:grpSpPr>
-        <a:xfrm>
-          <a:off x="0" y="0"/>
-          <a:ext cx="0" cy="0"/>
-          <a:chOff x="0" y="0"/>
-          <a:chExt cx="0" cy="0"/>
-        </a:xfrm>
-      </p:grpSpPr>
-      <p:sp>
-        <p:nvSpPr>
-          <p:cNvPr id="2" name="Title 1"/>
-          <p:cNvSpPr>
-            <a:spLocks noGrp="1"/>
-          </p:cNvSpPr>
-          <p:nvPr>
-            <p:ph type="title"/>
-          </p:nvPr>
-        </p:nvSpPr>
-        <p:spPr/>
-        <p:txBody>
-          <a:bodyPr/>
-          <a:lstStyle/>
-          <a:p>
-            <a:r>
-              <a:rPr lang="en-US" dirty="0" smtClean="0"/>
-              <a:t>System Requirement</a:t>
-            </a:r>
-            <a:endParaRPr lang="en-US" dirty="0"/>
-          </a:p>
-        </p:txBody>
-      </p:sp>
-      <p:sp>
-        <p:nvSpPr>
-          <p:cNvPr id="3" name="Content Placeholder 2"/>
-          <p:cNvSpPr>
-            <a:spLocks noGrp="1"/>
-          </p:cNvSpPr>
-          <p:nvPr>
-            <p:ph idx="1"/>
-          </p:nvPr>
-        </p:nvSpPr>
-        <p:spPr/>
-        <p:txBody>
-          <a:bodyPr/>
-          <a:lstStyle/>
-          <a:p>
-            <a:endParaRPr lang="en-US"/>
-          </a:p>
-        </p:txBody>
-      </p:sp>
       <p:pic>
         <p:nvPicPr>
-          <p:cNvPr id="4" name="Picture 3" descr="C:\Users\DUONGHM\Downloads\1342747704_logo_1308277876-logo-LOGOBACHKHOAAPTECHchuan.png"/>
+          <p:cNvPr id="5" name="Picture 4" descr="C:\Users\DUONGHM\Downloads\1342747704_logo_1308277876-logo-LOGOBACHKHOAAPTECHchuan.png"/>
           <p:cNvPicPr>
             <a:picLocks noChangeAspect="1" noChangeArrowheads="1"/>
           </p:cNvPicPr>
           <p:nvPr/>
         </p:nvPicPr>
         <p:blipFill>
-          <a:blip r:embed="rId2" cstate="print">
+          <a:blip r:embed="rId3" cstate="print">
             <a:extLst>
               <a:ext uri="{28A0092B-C50C-407E-A947-70E740481C1C}">
                 <a14:useLocalDpi xmlns:a14="http://schemas.microsoft.com/office/drawing/2010/main" val="0"/>
@@ -5174,7 +5923,7 @@
     </p:spTree>
     <p:extLst>
       <p:ext uri="{BB962C8B-B14F-4D97-AF65-F5344CB8AC3E}">
-        <p14:creationId xmlns:p14="http://schemas.microsoft.com/office/powerpoint/2010/main" val="525130603"/>
+        <p14:creationId xmlns:p14="http://schemas.microsoft.com/office/powerpoint/2010/main" val="579799746"/>
       </p:ext>
     </p:extLst>
   </p:cSld>
@@ -5191,7 +5940,7 @@
 </p:sld>
 </file>
 
-<file path=ppt/slides/slide7.xml><?xml version="1.0" encoding="utf-8"?>
+<file path=ppt/slides/slide9.xml><?xml version="1.0" encoding="utf-8"?>
 <p:sld xmlns:a="http://schemas.openxmlformats.org/drawingml/2006/main" xmlns:r="http://schemas.openxmlformats.org/officeDocument/2006/relationships" xmlns:p="http://schemas.openxmlformats.org/presentationml/2006/main">
   <p:cSld>
     <p:spTree>
@@ -5210,7 +5959,7 @@
       </p:grpSpPr>
       <p:sp>
         <p:nvSpPr>
-          <p:cNvPr id="4" name="Title 3"/>
+          <p:cNvPr id="2" name="Title 1"/>
           <p:cNvSpPr>
             <a:spLocks noGrp="1"/>
           </p:cNvSpPr>
@@ -5218,186 +5967,92 @@
             <p:ph type="title"/>
           </p:nvPr>
         </p:nvSpPr>
-        <p:spPr>
-          <a:xfrm>
-            <a:off x="990600" y="2514600"/>
-            <a:ext cx="7498080" cy="1143000"/>
-          </a:xfrm>
-        </p:spPr>
+        <p:spPr/>
+        <p:txBody>
+          <a:bodyPr>
+            <a:normAutofit fontScale="90000"/>
+          </a:bodyPr>
+          <a:lstStyle/>
+          <a:p>
+            <a:r>
+              <a:rPr lang="en-US" smtClean="0"/>
+              <a:t>Advantages </a:t>
+            </a:r>
+            <a:r>
+              <a:rPr lang="en-US" dirty="0" smtClean="0"/>
+              <a:t>and Remained Problems</a:t>
+            </a:r>
+            <a:endParaRPr lang="en-US" dirty="0"/>
+          </a:p>
+        </p:txBody>
+      </p:sp>
+      <p:sp>
+        <p:nvSpPr>
+          <p:cNvPr id="3" name="Content Placeholder 2"/>
+          <p:cNvSpPr>
+            <a:spLocks noGrp="1"/>
+          </p:cNvSpPr>
+          <p:nvPr>
+            <p:ph idx="1"/>
+          </p:nvPr>
+        </p:nvSpPr>
+        <p:spPr/>
         <p:txBody>
           <a:bodyPr/>
           <a:lstStyle/>
           <a:p>
-            <a:pPr algn="ctr"/>
             <a:r>
               <a:rPr lang="en-US" dirty="0" smtClean="0"/>
-              <a:t>Demo</a:t>
+              <a:t>Advantages</a:t>
+            </a:r>
+          </a:p>
+          <a:p>
+            <a:pPr lvl="1"/>
+            <a:r>
+              <a:rPr lang="en-US" dirty="0" smtClean="0"/>
+              <a:t>Satisfying requirements</a:t>
+            </a:r>
+          </a:p>
+          <a:p>
+            <a:pPr lvl="1"/>
+            <a:r>
+              <a:rPr lang="en-US" dirty="0" smtClean="0"/>
+              <a:t>Good UI</a:t>
+            </a:r>
+          </a:p>
+          <a:p>
+            <a:r>
+              <a:rPr lang="en-US" dirty="0" smtClean="0"/>
+              <a:t>Remained Problems</a:t>
+            </a:r>
+          </a:p>
+          <a:p>
+            <a:pPr lvl="1"/>
+            <a:r>
+              <a:rPr lang="en-US" dirty="0" smtClean="0"/>
+              <a:t>Globalization</a:t>
+            </a:r>
+          </a:p>
+          <a:p>
+            <a:pPr lvl="1"/>
+            <a:r>
+              <a:rPr lang="en-US" dirty="0" smtClean="0"/>
+              <a:t>Optimal system and code</a:t>
             </a:r>
             <a:endParaRPr lang="en-US" dirty="0"/>
           </a:p>
         </p:txBody>
       </p:sp>
-      <p:pic>
-        <p:nvPicPr>
-          <p:cNvPr id="3" name="Picture 3" descr="C:\Users\DUONGHM\Downloads\1342747704_logo_1308277876-logo-LOGOBACHKHOAAPTECHchuan.png"/>
-          <p:cNvPicPr>
-            <a:picLocks noChangeAspect="1" noChangeArrowheads="1"/>
-          </p:cNvPicPr>
-          <p:nvPr/>
-        </p:nvPicPr>
-        <p:blipFill>
-          <a:blip r:embed="rId2" cstate="print">
-            <a:extLst>
-              <a:ext uri="{28A0092B-C50C-407E-A947-70E740481C1C}">
-                <a14:useLocalDpi xmlns:a14="http://schemas.microsoft.com/office/drawing/2010/main" val="0"/>
-              </a:ext>
-            </a:extLst>
-          </a:blip>
-          <a:srcRect/>
-          <a:stretch>
-            <a:fillRect/>
-          </a:stretch>
-        </p:blipFill>
-        <p:spPr bwMode="auto">
-          <a:xfrm>
-            <a:off x="6934200" y="54348"/>
-            <a:ext cx="2133598" cy="500823"/>
-          </a:xfrm>
-          <a:prstGeom prst="rect">
-            <a:avLst/>
-          </a:prstGeom>
-          <a:noFill/>
-          <a:extLst>
-            <a:ext uri="{909E8E84-426E-40DD-AFC4-6F175D3DCCD1}">
-              <a14:hiddenFill xmlns:a14="http://schemas.microsoft.com/office/drawing/2010/main">
-                <a:solidFill>
-                  <a:srgbClr val="FFFFFF"/>
-                </a:solidFill>
-              </a14:hiddenFill>
-            </a:ext>
-          </a:extLst>
-        </p:spPr>
-      </p:pic>
     </p:spTree>
     <p:extLst>
       <p:ext uri="{BB962C8B-B14F-4D97-AF65-F5344CB8AC3E}">
-        <p14:creationId xmlns:p14="http://schemas.microsoft.com/office/powerpoint/2010/main" val="2222955092"/>
+        <p14:creationId xmlns:p14="http://schemas.microsoft.com/office/powerpoint/2010/main" val="2654923859"/>
       </p:ext>
     </p:extLst>
   </p:cSld>
   <p:clrMapOvr>
     <a:masterClrMapping/>
   </p:clrMapOvr>
-  <p:timing>
-    <p:tnLst>
-      <p:par>
-        <p:cTn id="1" dur="indefinite" restart="never" nodeType="tmRoot"/>
-      </p:par>
-    </p:tnLst>
-  </p:timing>
-</p:sld>
-</file>
-
-<file path=ppt/slides/slide8.xml><?xml version="1.0" encoding="utf-8"?>
-<p:sld xmlns:a="http://schemas.openxmlformats.org/drawingml/2006/main" xmlns:r="http://schemas.openxmlformats.org/officeDocument/2006/relationships" xmlns:p="http://schemas.openxmlformats.org/presentationml/2006/main">
-  <p:cSld>
-    <p:spTree>
-      <p:nvGrpSpPr>
-        <p:cNvPr id="1" name=""/>
-        <p:cNvGrpSpPr/>
-        <p:nvPr/>
-      </p:nvGrpSpPr>
-      <p:grpSpPr>
-        <a:xfrm>
-          <a:off x="0" y="0"/>
-          <a:ext cx="0" cy="0"/>
-          <a:chOff x="0" y="0"/>
-          <a:chExt cx="0" cy="0"/>
-        </a:xfrm>
-      </p:grpSpPr>
-      <p:sp>
-        <p:nvSpPr>
-          <p:cNvPr id="2" name="Title 1"/>
-          <p:cNvSpPr>
-            <a:spLocks noGrp="1"/>
-          </p:cNvSpPr>
-          <p:nvPr>
-            <p:ph type="title"/>
-          </p:nvPr>
-        </p:nvSpPr>
-        <p:spPr/>
-        <p:txBody>
-          <a:bodyPr/>
-          <a:lstStyle/>
-          <a:p>
-            <a:r>
-              <a:rPr lang="en-US" dirty="0" smtClean="0">
-                <a:effectLst/>
-              </a:rPr>
-              <a:t>Acknowledgement</a:t>
-            </a:r>
-            <a:endParaRPr lang="en-US" dirty="0"/>
-          </a:p>
-        </p:txBody>
-      </p:sp>
-      <p:pic>
-        <p:nvPicPr>
-          <p:cNvPr id="3" name="Picture 3" descr="C:\Users\DUONGHM\Downloads\1342747704_logo_1308277876-logo-LOGOBACHKHOAAPTECHchuan.png"/>
-          <p:cNvPicPr>
-            <a:picLocks noChangeAspect="1" noChangeArrowheads="1"/>
-          </p:cNvPicPr>
-          <p:nvPr/>
-        </p:nvPicPr>
-        <p:blipFill>
-          <a:blip r:embed="rId2" cstate="print">
-            <a:extLst>
-              <a:ext uri="{28A0092B-C50C-407E-A947-70E740481C1C}">
-                <a14:useLocalDpi xmlns:a14="http://schemas.microsoft.com/office/drawing/2010/main" val="0"/>
-              </a:ext>
-            </a:extLst>
-          </a:blip>
-          <a:srcRect/>
-          <a:stretch>
-            <a:fillRect/>
-          </a:stretch>
-        </p:blipFill>
-        <p:spPr bwMode="auto">
-          <a:xfrm>
-            <a:off x="6934200" y="54348"/>
-            <a:ext cx="2133598" cy="500823"/>
-          </a:xfrm>
-          <a:prstGeom prst="rect">
-            <a:avLst/>
-          </a:prstGeom>
-          <a:noFill/>
-          <a:extLst>
-            <a:ext uri="{909E8E84-426E-40DD-AFC4-6F175D3DCCD1}">
-              <a14:hiddenFill xmlns:a14="http://schemas.microsoft.com/office/drawing/2010/main">
-                <a:solidFill>
-                  <a:srgbClr val="FFFFFF"/>
-                </a:solidFill>
-              </a14:hiddenFill>
-            </a:ext>
-          </a:extLst>
-        </p:spPr>
-      </p:pic>
-    </p:spTree>
-    <p:extLst>
-      <p:ext uri="{BB962C8B-B14F-4D97-AF65-F5344CB8AC3E}">
-        <p14:creationId xmlns:p14="http://schemas.microsoft.com/office/powerpoint/2010/main" val="2452972038"/>
-      </p:ext>
-    </p:extLst>
-  </p:cSld>
-  <p:clrMapOvr>
-    <a:masterClrMapping/>
-  </p:clrMapOvr>
-  <p:timing>
-    <p:tnLst>
-      <p:par>
-        <p:cTn id="1" dur="indefinite" restart="never" nodeType="tmRoot"/>
-      </p:par>
-    </p:tnLst>
-  </p:timing>
 </p:sld>
 </file>
 

--- a/Employee Transfer Management.pptx
+++ b/Employee Transfer Management.pptx
@@ -16,6 +16,7 @@
     <p:sldId id="268" r:id="rId10"/>
     <p:sldId id="262" r:id="rId11"/>
     <p:sldId id="263" r:id="rId12"/>
+    <p:sldId id="269" r:id="rId13"/>
   </p:sldIdLst>
   <p:sldSz cx="9144000" cy="6858000" type="screen4x3"/>
   <p:notesSz cx="6858000" cy="9144000"/>
@@ -251,7 +252,7 @@
           <a:p>
             <a:fld id="{29A9FB4F-D5C8-42E4-B48C-FDACBAA01344}" type="datetimeFigureOut">
               <a:rPr lang="en-US" smtClean="0"/>
-              <a:t>10/17/2013</a:t>
+              <a:t>10/18/2013</a:t>
             </a:fld>
             <a:endParaRPr lang="en-US"/>
           </a:p>
@@ -564,7 +565,7 @@
           <a:p>
             <a:fld id="{29A9FB4F-D5C8-42E4-B48C-FDACBAA01344}" type="datetimeFigureOut">
               <a:rPr lang="en-US" smtClean="0"/>
-              <a:t>10/17/2013</a:t>
+              <a:t>10/18/2013</a:t>
             </a:fld>
             <a:endParaRPr lang="en-US"/>
           </a:p>
@@ -749,7 +750,7 @@
           <a:p>
             <a:fld id="{29A9FB4F-D5C8-42E4-B48C-FDACBAA01344}" type="datetimeFigureOut">
               <a:rPr lang="en-US" smtClean="0"/>
-              <a:t>10/17/2013</a:t>
+              <a:t>10/18/2013</a:t>
             </a:fld>
             <a:endParaRPr lang="en-US"/>
           </a:p>
@@ -924,7 +925,7 @@
           <a:p>
             <a:fld id="{29A9FB4F-D5C8-42E4-B48C-FDACBAA01344}" type="datetimeFigureOut">
               <a:rPr lang="en-US" smtClean="0"/>
-              <a:t>10/17/2013</a:t>
+              <a:t>10/18/2013</a:t>
             </a:fld>
             <a:endParaRPr lang="en-US"/>
           </a:p>
@@ -1192,7 +1193,7 @@
           <a:p>
             <a:fld id="{29A9FB4F-D5C8-42E4-B48C-FDACBAA01344}" type="datetimeFigureOut">
               <a:rPr lang="en-US" smtClean="0"/>
-              <a:t>10/17/2013</a:t>
+              <a:t>10/18/2013</a:t>
             </a:fld>
             <a:endParaRPr lang="en-US"/>
           </a:p>
@@ -1660,7 +1661,7 @@
           <a:p>
             <a:fld id="{29A9FB4F-D5C8-42E4-B48C-FDACBAA01344}" type="datetimeFigureOut">
               <a:rPr lang="en-US" smtClean="0"/>
-              <a:t>10/17/2013</a:t>
+              <a:t>10/18/2013</a:t>
             </a:fld>
             <a:endParaRPr lang="en-US"/>
           </a:p>
@@ -2149,7 +2150,7 @@
           <a:p>
             <a:fld id="{29A9FB4F-D5C8-42E4-B48C-FDACBAA01344}" type="datetimeFigureOut">
               <a:rPr lang="en-US" smtClean="0"/>
-              <a:t>10/17/2013</a:t>
+              <a:t>10/18/2013</a:t>
             </a:fld>
             <a:endParaRPr lang="en-US"/>
           </a:p>
@@ -2275,7 +2276,7 @@
           <a:p>
             <a:fld id="{29A9FB4F-D5C8-42E4-B48C-FDACBAA01344}" type="datetimeFigureOut">
               <a:rPr lang="en-US" smtClean="0"/>
-              <a:t>10/17/2013</a:t>
+              <a:t>10/18/2013</a:t>
             </a:fld>
             <a:endParaRPr lang="en-US"/>
           </a:p>
@@ -2419,7 +2420,7 @@
           <a:p>
             <a:fld id="{29A9FB4F-D5C8-42E4-B48C-FDACBAA01344}" type="datetimeFigureOut">
               <a:rPr lang="en-US" smtClean="0"/>
-              <a:t>10/17/2013</a:t>
+              <a:t>10/18/2013</a:t>
             </a:fld>
             <a:endParaRPr lang="en-US"/>
           </a:p>
@@ -2741,7 +2742,7 @@
           <a:p>
             <a:fld id="{29A9FB4F-D5C8-42E4-B48C-FDACBAA01344}" type="datetimeFigureOut">
               <a:rPr lang="en-US" smtClean="0"/>
-              <a:t>10/17/2013</a:t>
+              <a:t>10/18/2013</a:t>
             </a:fld>
             <a:endParaRPr lang="en-US"/>
           </a:p>
@@ -2875,7 +2876,7 @@
           <a:p>
             <a:fld id="{29A9FB4F-D5C8-42E4-B48C-FDACBAA01344}" type="datetimeFigureOut">
               <a:rPr lang="en-US" smtClean="0"/>
-              <a:t>10/17/2013</a:t>
+              <a:t>10/18/2013</a:t>
             </a:fld>
             <a:endParaRPr lang="en-US"/>
           </a:p>
@@ -3656,7 +3657,7 @@
           <a:p>
             <a:fld id="{29A9FB4F-D5C8-42E4-B48C-FDACBAA01344}" type="datetimeFigureOut">
               <a:rPr lang="en-US" smtClean="0"/>
-              <a:t>10/17/2013</a:t>
+              <a:t>10/18/2013</a:t>
             </a:fld>
             <a:endParaRPr lang="en-US"/>
           </a:p>
@@ -4164,35 +4165,8 @@
         </p:nvSpPr>
         <p:spPr>
           <a:xfrm>
-            <a:off x="1447800" y="1066800"/>
-            <a:ext cx="7406640" cy="1472184"/>
-          </a:xfrm>
-        </p:spPr>
-        <p:txBody>
-          <a:bodyPr/>
-          <a:lstStyle/>
-          <a:p>
-            <a:r>
-              <a:rPr lang="en-US" dirty="0"/>
-              <a:t>Employee Transfer Management</a:t>
-            </a:r>
-          </a:p>
-        </p:txBody>
-      </p:sp>
-      <p:sp>
-        <p:nvSpPr>
-          <p:cNvPr id="3" name="Subtitle 2"/>
-          <p:cNvSpPr>
-            <a:spLocks noGrp="1"/>
-          </p:cNvSpPr>
-          <p:nvPr>
-            <p:ph type="subTitle" idx="1"/>
-          </p:nvPr>
-        </p:nvSpPr>
-        <p:spPr>
-          <a:xfrm>
-            <a:off x="3718560" y="3200400"/>
-            <a:ext cx="4815840" cy="3364468"/>
+            <a:off x="1219200" y="1066800"/>
+            <a:ext cx="7635240" cy="1472184"/>
           </a:xfrm>
         </p:spPr>
         <p:txBody>
@@ -4202,6 +4176,35 @@
           <a:lstStyle/>
           <a:p>
             <a:r>
+              <a:rPr lang="en-US" sz="4000" dirty="0"/>
+              <a:t>Employee Transfer Management</a:t>
+            </a:r>
+          </a:p>
+        </p:txBody>
+      </p:sp>
+      <p:sp>
+        <p:nvSpPr>
+          <p:cNvPr id="3" name="Subtitle 2"/>
+          <p:cNvSpPr>
+            <a:spLocks noGrp="1"/>
+          </p:cNvSpPr>
+          <p:nvPr>
+            <p:ph type="subTitle" idx="1"/>
+          </p:nvPr>
+        </p:nvSpPr>
+        <p:spPr>
+          <a:xfrm>
+            <a:off x="3505200" y="3200400"/>
+            <a:ext cx="5029200" cy="3364468"/>
+          </a:xfrm>
+        </p:spPr>
+        <p:txBody>
+          <a:bodyPr>
+            <a:normAutofit/>
+          </a:bodyPr>
+          <a:lstStyle/>
+          <a:p>
+            <a:r>
               <a:rPr lang="en-US" b="1" dirty="0" smtClean="0">
                 <a:cs typeface="Arial" pitchFamily="34" charset="0"/>
               </a:rPr>
@@ -4306,7 +4309,7 @@
         <p:spPr>
           <a:xfrm>
             <a:off x="6553200" y="2514600"/>
-            <a:ext cx="1981200" cy="369332"/>
+            <a:ext cx="2133600" cy="369332"/>
           </a:xfrm>
           <a:prstGeom prst="rect">
             <a:avLst/>
@@ -4321,15 +4324,7 @@
           <a:p>
             <a:r>
               <a:rPr lang="en-US" dirty="0" smtClean="0"/>
-              <a:t>Group </a:t>
-            </a:r>
-            <a:r>
-              <a:rPr lang="en-US" dirty="0" smtClean="0"/>
-              <a:t>1 </a:t>
-            </a:r>
-            <a:r>
-              <a:rPr lang="en-US" dirty="0" smtClean="0"/>
-              <a:t>– C1212L</a:t>
+              <a:t>Group 1 – C1212L</a:t>
             </a:r>
           </a:p>
         </p:txBody>
@@ -4557,7 +4552,7 @@
         <p:spPr/>
         <p:txBody>
           <a:bodyPr>
-            <a:normAutofit fontScale="92500" lnSpcReduction="10000"/>
+            <a:normAutofit fontScale="92500" lnSpcReduction="20000"/>
           </a:bodyPr>
           <a:lstStyle/>
           <a:p>
@@ -4711,6 +4706,65 @@
       </p:par>
     </p:tnLst>
   </p:timing>
+</p:sld>
+</file>
+
+<file path=ppt/slides/slide12.xml><?xml version="1.0" encoding="utf-8"?>
+<p:sld xmlns:a="http://schemas.openxmlformats.org/drawingml/2006/main" xmlns:r="http://schemas.openxmlformats.org/officeDocument/2006/relationships" xmlns:p="http://schemas.openxmlformats.org/presentationml/2006/main">
+  <p:cSld>
+    <p:spTree>
+      <p:nvGrpSpPr>
+        <p:cNvPr id="1" name=""/>
+        <p:cNvGrpSpPr/>
+        <p:nvPr/>
+      </p:nvGrpSpPr>
+      <p:grpSpPr>
+        <a:xfrm>
+          <a:off x="0" y="0"/>
+          <a:ext cx="0" cy="0"/>
+          <a:chOff x="0" y="0"/>
+          <a:chExt cx="0" cy="0"/>
+        </a:xfrm>
+      </p:grpSpPr>
+      <p:sp>
+        <p:nvSpPr>
+          <p:cNvPr id="4" name="Title 3"/>
+          <p:cNvSpPr>
+            <a:spLocks noGrp="1"/>
+          </p:cNvSpPr>
+          <p:nvPr>
+            <p:ph type="title"/>
+          </p:nvPr>
+        </p:nvSpPr>
+        <p:spPr>
+          <a:xfrm>
+            <a:off x="1371600" y="1981200"/>
+            <a:ext cx="7498080" cy="1143000"/>
+          </a:xfrm>
+        </p:spPr>
+        <p:txBody>
+          <a:bodyPr/>
+          <a:lstStyle/>
+          <a:p>
+            <a:pPr algn="ctr"/>
+            <a:r>
+              <a:rPr lang="en-US" dirty="0" smtClean="0"/>
+              <a:t>Thanks for your listening</a:t>
+            </a:r>
+            <a:endParaRPr lang="vi-VN" dirty="0"/>
+          </a:p>
+        </p:txBody>
+      </p:sp>
+    </p:spTree>
+    <p:extLst>
+      <p:ext uri="{BB962C8B-B14F-4D97-AF65-F5344CB8AC3E}">
+        <p14:creationId xmlns:p14="http://schemas.microsoft.com/office/powerpoint/2010/main" val="2781341383"/>
+      </p:ext>
+    </p:extLst>
+  </p:cSld>
+  <p:clrMapOvr>
+    <a:masterClrMapping/>
+  </p:clrMapOvr>
 </p:sld>
 </file>
 
@@ -5967,22 +6021,23 @@
             <p:ph type="title"/>
           </p:nvPr>
         </p:nvSpPr>
-        <p:spPr/>
+        <p:spPr>
+          <a:xfrm>
+            <a:off x="1295400" y="274638"/>
+            <a:ext cx="7772400" cy="944562"/>
+          </a:xfrm>
+        </p:spPr>
         <p:txBody>
           <a:bodyPr>
-            <a:normAutofit fontScale="90000"/>
+            <a:noAutofit/>
           </a:bodyPr>
           <a:lstStyle/>
           <a:p>
             <a:r>
-              <a:rPr lang="en-US" smtClean="0"/>
-              <a:t>Advantages </a:t>
-            </a:r>
-            <a:r>
-              <a:rPr lang="en-US" dirty="0" smtClean="0"/>
-              <a:t>and Remained Problems</a:t>
-            </a:r>
-            <a:endParaRPr lang="en-US" dirty="0"/>
+              <a:rPr lang="en-US" sz="3500" dirty="0" smtClean="0"/>
+              <a:t>Advantages and Remained Problems</a:t>
+            </a:r>
+            <a:endParaRPr lang="en-US" sz="3500" dirty="0"/>
           </a:p>
         </p:txBody>
       </p:sp>
@@ -6053,6 +6108,13 @@
   <p:clrMapOvr>
     <a:masterClrMapping/>
   </p:clrMapOvr>
+  <p:timing>
+    <p:tnLst>
+      <p:par>
+        <p:cTn id="1" dur="indefinite" restart="never" nodeType="tmRoot"/>
+      </p:par>
+    </p:tnLst>
+  </p:timing>
 </p:sld>
 </file>
 
